--- a/support_pitch_Mhackdonalds.pptx
+++ b/support_pitch_Mhackdonalds.pptx
@@ -8227,9 +8227,44 @@
           <a:p>
             <a:pPr lvl="2"/>
             <a:r>
-              <a:rPr lang="fr-FR" dirty="0"/>
-              <a:t>Sources</a:t>
-            </a:r>
+              <a:rPr lang="en-US" b="0" i="0" dirty="0">
+                <a:effectLst/>
+                <a:latin typeface="gg sans"/>
+              </a:rPr>
+              <a:t>Large Language Model Enhanced Text-to-SQL Generation: A </a:t>
+            </a:r>
+            <a:r>
+              <a:rPr lang="en-US" b="0" i="0">
+                <a:effectLst/>
+                <a:latin typeface="gg sans"/>
+              </a:rPr>
+              <a:t>Survey </a:t>
+            </a:r>
+          </a:p>
+          <a:p>
+            <a:pPr lvl="2"/>
+            <a:r>
+              <a:rPr lang="en-US" b="0" i="0" dirty="0">
+                <a:effectLst/>
+                <a:latin typeface="gg sans"/>
+              </a:rPr>
+              <a:t>How to Prompt LLMs for Text-to-SQL: A Study in Zero-</a:t>
+            </a:r>
+            <a:r>
+              <a:rPr lang="en-US" b="0" i="0" dirty="0" err="1">
+                <a:effectLst/>
+                <a:latin typeface="gg sans"/>
+              </a:rPr>
+              <a:t>shot,Single</a:t>
+            </a:r>
+            <a:r>
+              <a:rPr lang="en-US" b="0" i="0" dirty="0">
+                <a:effectLst/>
+                <a:latin typeface="gg sans"/>
+              </a:rPr>
+              <a:t>-domain, and Cross-domain Settings </a:t>
+            </a:r>
+            <a:endParaRPr lang="fr-FR" dirty="0"/>
           </a:p>
           <a:p>
             <a:pPr lvl="1"/>
